--- a/STM32_DOCS/Arm_introductions.pptx
+++ b/STM32_DOCS/Arm_introductions.pptx
@@ -117,6 +117,22 @@
       </a:defRPr>
     </a:lvl9pPr>
   </p:defaultTextStyle>
+  <p:extLst>
+    <p:ext uri="{EFAFB233-063F-42B5-8137-9DF3F51BA10A}">
+      <p15:sldGuideLst xmlns:p15="http://schemas.microsoft.com/office/powerpoint/2012/main">
+        <p15:guide id="1" orient="horz" pos="2160">
+          <p15:clr>
+            <a:srgbClr val="A4A3A4"/>
+          </p15:clr>
+        </p15:guide>
+        <p15:guide id="2" pos="2880">
+          <p15:clr>
+            <a:srgbClr val="A4A3A4"/>
+          </p15:clr>
+        </p15:guide>
+      </p15:sldGuideLst>
+    </p:ext>
+  </p:extLst>
 </p:presentation>
 </file>
 
@@ -308,7 +324,7 @@
             <a:fld id="{1D8BD707-D9CF-40AE-B4C6-C98DA3205C09}" type="datetimeFigureOut">
               <a:rPr lang="en-US" smtClean="0"/>
               <a:pPr/>
-              <a:t>15-Feb-21</a:t>
+              <a:t>2/17/2022</a:t>
             </a:fld>
             <a:endParaRPr lang="en-US"/>
           </a:p>
@@ -475,7 +491,7 @@
             <a:fld id="{1D8BD707-D9CF-40AE-B4C6-C98DA3205C09}" type="datetimeFigureOut">
               <a:rPr lang="en-US" smtClean="0"/>
               <a:pPr/>
-              <a:t>15-Feb-21</a:t>
+              <a:t>2/17/2022</a:t>
             </a:fld>
             <a:endParaRPr lang="en-US"/>
           </a:p>
@@ -652,7 +668,7 @@
             <a:fld id="{1D8BD707-D9CF-40AE-B4C6-C98DA3205C09}" type="datetimeFigureOut">
               <a:rPr lang="en-US" smtClean="0"/>
               <a:pPr/>
-              <a:t>15-Feb-21</a:t>
+              <a:t>2/17/2022</a:t>
             </a:fld>
             <a:endParaRPr lang="en-US"/>
           </a:p>
@@ -819,7 +835,7 @@
             <a:fld id="{1D8BD707-D9CF-40AE-B4C6-C98DA3205C09}" type="datetimeFigureOut">
               <a:rPr lang="en-US" smtClean="0"/>
               <a:pPr/>
-              <a:t>15-Feb-21</a:t>
+              <a:t>2/17/2022</a:t>
             </a:fld>
             <a:endParaRPr lang="en-US"/>
           </a:p>
@@ -1060,7 +1076,7 @@
             <a:fld id="{1D8BD707-D9CF-40AE-B4C6-C98DA3205C09}" type="datetimeFigureOut">
               <a:rPr lang="en-US" smtClean="0"/>
               <a:pPr/>
-              <a:t>15-Feb-21</a:t>
+              <a:t>2/17/2022</a:t>
             </a:fld>
             <a:endParaRPr lang="en-US"/>
           </a:p>
@@ -1152,7 +1168,7 @@
             <a:fld id="{1D8BD707-D9CF-40AE-B4C6-C98DA3205C09}" type="datetimeFigureOut">
               <a:rPr lang="en-US" smtClean="0"/>
               <a:pPr/>
-              <a:t>15-Feb-21</a:t>
+              <a:t>2/17/2022</a:t>
             </a:fld>
             <a:endParaRPr lang="en-US"/>
           </a:p>
@@ -1528,7 +1544,7 @@
             <a:fld id="{1D8BD707-D9CF-40AE-B4C6-C98DA3205C09}" type="datetimeFigureOut">
               <a:rPr lang="en-US" smtClean="0"/>
               <a:pPr/>
-              <a:t>15-Feb-21</a:t>
+              <a:t>2/17/2022</a:t>
             </a:fld>
             <a:endParaRPr lang="en-US"/>
           </a:p>
@@ -1785,7 +1801,7 @@
             <a:fld id="{1D8BD707-D9CF-40AE-B4C6-C98DA3205C09}" type="datetimeFigureOut">
               <a:rPr lang="en-US" smtClean="0"/>
               <a:pPr/>
-              <a:t>15-Feb-21</a:t>
+              <a:t>2/17/2022</a:t>
             </a:fld>
             <a:endParaRPr lang="en-US"/>
           </a:p>
@@ -1877,7 +1893,7 @@
             <a:fld id="{1D8BD707-D9CF-40AE-B4C6-C98DA3205C09}" type="datetimeFigureOut">
               <a:rPr lang="en-US" smtClean="0"/>
               <a:pPr/>
-              <a:t>15-Feb-21</a:t>
+              <a:t>2/17/2022</a:t>
             </a:fld>
             <a:endParaRPr lang="en-US"/>
           </a:p>
@@ -2153,7 +2169,7 @@
             <a:fld id="{1D8BD707-D9CF-40AE-B4C6-C98DA3205C09}" type="datetimeFigureOut">
               <a:rPr lang="en-US" smtClean="0"/>
               <a:pPr/>
-              <a:t>15-Feb-21</a:t>
+              <a:t>2/17/2022</a:t>
             </a:fld>
             <a:endParaRPr lang="en-US"/>
           </a:p>
@@ -2427,7 +2443,7 @@
             <a:fld id="{1D8BD707-D9CF-40AE-B4C6-C98DA3205C09}" type="datetimeFigureOut">
               <a:rPr lang="en-US" smtClean="0"/>
               <a:pPr/>
-              <a:t>15-Feb-21</a:t>
+              <a:t>2/17/2022</a:t>
             </a:fld>
             <a:endParaRPr lang="en-US"/>
           </a:p>
@@ -2729,7 +2745,7 @@
             <a:fld id="{1D8BD707-D9CF-40AE-B4C6-C98DA3205C09}" type="datetimeFigureOut">
               <a:rPr lang="en-US" smtClean="0"/>
               <a:pPr/>
-              <a:t>15-Feb-21</a:t>
+              <a:t>2/17/2022</a:t>
             </a:fld>
             <a:endParaRPr lang="en-US"/>
           </a:p>
@@ -4150,11 +4166,7 @@
             </a:pPr>
             <a:r>
               <a:rPr lang="en-US" dirty="0" smtClean="0"/>
-              <a:t>Manufactures –</a:t>
-            </a:r>
-            <a:r>
-              <a:rPr lang="en-US" dirty="0" smtClean="0"/>
-              <a:t>ARM,1990 </a:t>
+              <a:t>Manufactures –ARM,1990 </a:t>
             </a:r>
             <a:r>
               <a:rPr lang="en-US" dirty="0" err="1" smtClean="0"/>
@@ -4194,12 +4206,8 @@
               <a:t>Nxp</a:t>
             </a:r>
             <a:r>
-              <a:rPr lang="en-US" dirty="0" smtClean="0"/>
-              <a:t>/</a:t>
-            </a:r>
-            <a:r>
-              <a:rPr lang="en-US" dirty="0" err="1" smtClean="0"/>
-              <a:t>freescle</a:t>
+              <a:rPr lang="en-US" smtClean="0"/>
+              <a:t>/f    reescle</a:t>
             </a:r>
             <a:endParaRPr lang="en-US" dirty="0" smtClean="0"/>
           </a:p>
@@ -4249,11 +4257,7 @@
             </a:r>
             <a:r>
               <a:rPr lang="en-US" dirty="0" smtClean="0"/>
-              <a:t> </a:t>
-            </a:r>
-            <a:r>
-              <a:rPr lang="en-US" dirty="0" smtClean="0"/>
-              <a:t>features ,</a:t>
+              <a:t> features ,</a:t>
             </a:r>
             <a:r>
               <a:rPr lang="en-US" dirty="0" err="1" smtClean="0"/>
@@ -5162,7 +5166,6 @@
               <a:rPr lang="en-US" dirty="0"/>
               <a:t> because they are not exception handling modes.</a:t>
             </a:r>
-            <a:endParaRPr lang="en-US" dirty="0"/>
           </a:p>
         </p:txBody>
       </p:sp>
@@ -5298,15 +5301,7 @@
           <a:p>
             <a:r>
               <a:rPr lang="en-US" dirty="0" smtClean="0"/>
-              <a:t>Peripherals- </a:t>
-            </a:r>
-            <a:r>
-              <a:rPr lang="en-US" dirty="0" smtClean="0"/>
-              <a:t>14 </a:t>
-            </a:r>
-            <a:r>
-              <a:rPr lang="en-US" dirty="0" smtClean="0"/>
-              <a:t>timers,adc,ccp,3 uart,2 spi,2 i2c,can,usb</a:t>
+              <a:t>Peripherals- 14 timers,adc,ccp,3 uart,2 spi,2 i2c,can,usb</a:t>
             </a:r>
           </a:p>
           <a:p>
@@ -5318,19 +5313,7 @@
               <a:rPr lang="en-US" dirty="0" smtClean="0">
                 <a:sym typeface="Wingdings" pitchFamily="2" charset="2"/>
               </a:rPr>
-              <a:t> </a:t>
-            </a:r>
-            <a:r>
-              <a:rPr lang="en-US" dirty="0" smtClean="0">
-                <a:sym typeface="Wingdings" pitchFamily="2" charset="2"/>
-              </a:rPr>
-              <a:t>35 </a:t>
-            </a:r>
-            <a:r>
-              <a:rPr lang="en-US" dirty="0" smtClean="0">
-                <a:sym typeface="Wingdings" pitchFamily="2" charset="2"/>
-              </a:rPr>
-              <a:t>usable</a:t>
+              <a:t> 35 usable</a:t>
             </a:r>
           </a:p>
           <a:p>
